--- a/DocumentsProjet/diapo_jeu_de_logique.pptx
+++ b/DocumentsProjet/diapo_jeu_de_logique.pptx
@@ -3088,7 +3088,7 @@
         </p:blipFill>
         <p:spPr>
           <a:xfrm>
-            <a:off x="1729047" y="2105636"/>
+            <a:off x="4430303" y="2562422"/>
             <a:ext cx="2789339" cy="2789339"/>
           </a:xfrm>
           <a:prstGeom prst="rect">
@@ -3128,7 +3128,7 @@
         </p:blipFill>
         <p:spPr>
           <a:xfrm>
-            <a:off x="5826852" y="1331337"/>
+            <a:off x="7798965" y="1487350"/>
             <a:ext cx="3377968" cy="2533476"/>
           </a:xfrm>
           <a:prstGeom prst="rect">
@@ -3154,7 +3154,7 @@
         </p:nvSpPr>
         <p:spPr>
           <a:xfrm>
-            <a:off x="6261683" y="4882629"/>
+            <a:off x="7798965" y="5033413"/>
             <a:ext cx="3226266" cy="707886"/>
           </a:xfrm>
           <a:prstGeom prst="rect">
@@ -3187,7 +3187,7 @@
         </p:nvSpPr>
         <p:spPr>
           <a:xfrm>
-            <a:off x="6882348" y="4078436"/>
+            <a:off x="8854461" y="4234449"/>
             <a:ext cx="1271052" cy="369332"/>
           </a:xfrm>
           <a:prstGeom prst="rect">
@@ -3227,7 +3227,7 @@
         </p:nvSpPr>
         <p:spPr>
           <a:xfrm>
-            <a:off x="2488190" y="5251617"/>
+            <a:off x="5189446" y="5708403"/>
             <a:ext cx="1271052" cy="369332"/>
           </a:xfrm>
           <a:prstGeom prst="rect">
@@ -3267,6 +3267,86 @@
               <a:ea typeface="Lato Light" panose="020F0502020204030203" pitchFamily="34" charset="0"/>
               <a:cs typeface="Lato Light" panose="020F0502020204030203" pitchFamily="34" charset="0"/>
             </a:endParaRPr>
+          </a:p>
+        </p:txBody>
+      </p:sp>
+      <p:pic>
+        <p:nvPicPr>
+          <p:cNvPr id="6" name="Image 5"/>
+          <p:cNvPicPr>
+            <a:picLocks noChangeAspect="1"/>
+          </p:cNvPicPr>
+          <p:nvPr/>
+        </p:nvPicPr>
+        <p:blipFill>
+          <a:blip r:embed="rId4">
+            <a:extLst>
+              <a:ext uri="{28A0092B-C50C-407E-A947-70E740481C1C}">
+                <a14:useLocalDpi xmlns:a14="http://schemas.microsoft.com/office/drawing/2010/main" val="0"/>
+              </a:ext>
+            </a:extLst>
+          </a:blip>
+          <a:stretch>
+            <a:fillRect/>
+          </a:stretch>
+        </p:blipFill>
+        <p:spPr>
+          <a:xfrm>
+            <a:off x="1328690" y="1487350"/>
+            <a:ext cx="2522290" cy="1891718"/>
+          </a:xfrm>
+          <a:prstGeom prst="rect">
+            <a:avLst/>
+          </a:prstGeom>
+          <a:ln>
+            <a:noFill/>
+          </a:ln>
+          <a:effectLst>
+            <a:outerShdw blurRad="292100" dist="139700" dir="2700000" algn="tl" rotWithShape="0">
+              <a:srgbClr val="333333">
+                <a:alpha val="65000"/>
+              </a:srgbClr>
+            </a:outerShdw>
+          </a:effectLst>
+        </p:spPr>
+      </p:pic>
+      <p:sp>
+        <p:nvSpPr>
+          <p:cNvPr id="12" name="ZoneTexte 11"/>
+          <p:cNvSpPr txBox="1"/>
+          <p:nvPr/>
+        </p:nvSpPr>
+        <p:spPr>
+          <a:xfrm>
+            <a:off x="1820785" y="3657916"/>
+            <a:ext cx="1271052" cy="369332"/>
+          </a:xfrm>
+          <a:prstGeom prst="rect">
+            <a:avLst/>
+          </a:prstGeom>
+          <a:noFill/>
+        </p:spPr>
+        <p:txBody>
+          <a:bodyPr wrap="square" rtlCol="0">
+            <a:spAutoFit/>
+          </a:bodyPr>
+          <a:lstStyle/>
+          <a:p>
+            <a:pPr algn="ctr"/>
+            <a:r>
+              <a:rPr lang="fr-FR" dirty="0">
+                <a:solidFill>
+                  <a:schemeClr val="tx1">
+                    <a:lumMod val="75000"/>
+                    <a:lumOff val="25000"/>
+                  </a:schemeClr>
+                </a:solidFill>
+                <a:latin typeface="Lato Light" panose="020F0502020204030203" pitchFamily="34" charset="0"/>
+                <a:ea typeface="Lato Light" panose="020F0502020204030203" pitchFamily="34" charset="0"/>
+                <a:cs typeface="Lato Light" panose="020F0502020204030203" pitchFamily="34" charset="0"/>
+              </a:rPr>
+              <a:t>Échecs</a:t>
+            </a:r>
           </a:p>
         </p:txBody>
       </p:sp>
@@ -3314,7 +3394,7 @@
                                           </p:stCondLst>
                                         </p:cTn>
                                         <p:tgtEl>
-                                          <p:spTgt spid="7"/>
+                                          <p:spTgt spid="6"/>
                                         </p:tgtEl>
                                         <p:attrNameLst>
                                           <p:attrName>style.visibility</p:attrName>
@@ -3341,7 +3421,7 @@
                                           </p:stCondLst>
                                         </p:cTn>
                                         <p:tgtEl>
-                                          <p:spTgt spid="11"/>
+                                          <p:spTgt spid="12"/>
                                         </p:tgtEl>
                                         <p:attrNameLst>
                                           <p:attrName>style.visibility</p:attrName>
@@ -3445,7 +3525,7 @@
                             </p:stCondLst>
                             <p:childTnLst>
                               <p:par>
-                                <p:cTn id="17" presetID="1" presetClass="entr" presetSubtype="0" fill="hold" grpId="0" nodeType="clickEffect">
+                                <p:cTn id="17" presetID="1" presetClass="entr" presetSubtype="0" fill="hold" nodeType="clickEffect">
                                   <p:stCondLst>
                                     <p:cond delay="0"/>
                                   </p:stCondLst>
@@ -3453,6 +3533,78 @@
                                     <p:set>
                                       <p:cBhvr>
                                         <p:cTn id="18" dur="1" fill="hold">
+                                          <p:stCondLst>
+                                            <p:cond delay="0"/>
+                                          </p:stCondLst>
+                                        </p:cTn>
+                                        <p:tgtEl>
+                                          <p:spTgt spid="7"/>
+                                        </p:tgtEl>
+                                        <p:attrNameLst>
+                                          <p:attrName>style.visibility</p:attrName>
+                                        </p:attrNameLst>
+                                      </p:cBhvr>
+                                      <p:to>
+                                        <p:strVal val="visible"/>
+                                      </p:to>
+                                    </p:set>
+                                  </p:childTnLst>
+                                </p:cTn>
+                              </p:par>
+                              <p:par>
+                                <p:cTn id="19" presetID="1" presetClass="entr" presetSubtype="0" fill="hold" grpId="0" nodeType="withEffect">
+                                  <p:stCondLst>
+                                    <p:cond delay="0"/>
+                                  </p:stCondLst>
+                                  <p:childTnLst>
+                                    <p:set>
+                                      <p:cBhvr>
+                                        <p:cTn id="20" dur="1" fill="hold">
+                                          <p:stCondLst>
+                                            <p:cond delay="0"/>
+                                          </p:stCondLst>
+                                        </p:cTn>
+                                        <p:tgtEl>
+                                          <p:spTgt spid="11"/>
+                                        </p:tgtEl>
+                                        <p:attrNameLst>
+                                          <p:attrName>style.visibility</p:attrName>
+                                        </p:attrNameLst>
+                                      </p:cBhvr>
+                                      <p:to>
+                                        <p:strVal val="visible"/>
+                                      </p:to>
+                                    </p:set>
+                                  </p:childTnLst>
+                                </p:cTn>
+                              </p:par>
+                            </p:childTnLst>
+                          </p:cTn>
+                        </p:par>
+                      </p:childTnLst>
+                    </p:cTn>
+                  </p:par>
+                  <p:par>
+                    <p:cTn id="21" fill="hold">
+                      <p:stCondLst>
+                        <p:cond delay="indefinite"/>
+                      </p:stCondLst>
+                      <p:childTnLst>
+                        <p:par>
+                          <p:cTn id="22" fill="hold">
+                            <p:stCondLst>
+                              <p:cond delay="0"/>
+                            </p:stCondLst>
+                            <p:childTnLst>
+                              <p:par>
+                                <p:cTn id="23" presetID="1" presetClass="entr" presetSubtype="0" fill="hold" grpId="0" nodeType="clickEffect">
+                                  <p:stCondLst>
+                                    <p:cond delay="0"/>
+                                  </p:stCondLst>
+                                  <p:childTnLst>
+                                    <p:set>
+                                      <p:cBhvr>
+                                        <p:cTn id="24" dur="1" fill="hold">
                                           <p:stCondLst>
                                             <p:cond delay="0"/>
                                           </p:stCondLst>
@@ -3502,6 +3654,7 @@
       <p:bldP spid="9" grpId="0"/>
       <p:bldP spid="10" grpId="0"/>
       <p:bldP spid="11" grpId="0"/>
+      <p:bldP spid="12" grpId="0"/>
     </p:bldLst>
   </p:timing>
 </p:sld>
